--- a/FFPM/FFPM 305.pptx
+++ b/FFPM/FFPM 305.pptx
@@ -7,9 +7,13 @@
   <p:sldIdLst>
     <p:sldId id="256" r:id="rId2"/>
     <p:sldId id="257" r:id="rId3"/>
-    <p:sldId id="258" r:id="rId4"/>
-    <p:sldId id="259" r:id="rId5"/>
-    <p:sldId id="260" r:id="rId6"/>
+    <p:sldId id="261" r:id="rId4"/>
+    <p:sldId id="258" r:id="rId5"/>
+    <p:sldId id="262" r:id="rId6"/>
+    <p:sldId id="259" r:id="rId7"/>
+    <p:sldId id="263" r:id="rId8"/>
+    <p:sldId id="260" r:id="rId9"/>
+    <p:sldId id="264" r:id="rId10"/>
   </p:sldIdLst>
   <p:sldSz cx="9144000" cy="6858000" type="screen4x3"/>
   <p:notesSz cx="6858000" cy="9144000"/>
@@ -108,6 +112,22 @@
       </a:defRPr>
     </a:lvl9pPr>
   </p:defaultTextStyle>
+  <p:extLst>
+    <p:ext uri="{EFAFB233-063F-42B5-8137-9DF3F51BA10A}">
+      <p15:sldGuideLst xmlns:p15="http://schemas.microsoft.com/office/powerpoint/2012/main">
+        <p15:guide id="1" orient="horz" pos="2160">
+          <p15:clr>
+            <a:srgbClr val="A4A3A4"/>
+          </p15:clr>
+        </p15:guide>
+        <p15:guide id="2" pos="2880">
+          <p15:clr>
+            <a:srgbClr val="A4A3A4"/>
+          </p15:clr>
+        </p15:guide>
+      </p15:sldGuideLst>
+    </p:ext>
+  </p:extLst>
 </p:presentation>
 </file>
 
@@ -149,10 +169,9 @@
           <a:lstStyle/>
           <a:p>
             <a:r>
-              <a:rPr lang="fr-FR" smtClean="0"/>
+              <a:rPr lang="fr-FR"/>
               <a:t>Cliquez pour modifier le style du titre</a:t>
             </a:r>
-            <a:endParaRPr lang="fr-FR"/>
           </a:p>
         </p:txBody>
       </p:sp>
@@ -268,10 +287,9 @@
           </a:lstStyle>
           <a:p>
             <a:r>
-              <a:rPr lang="fr-FR" smtClean="0"/>
+              <a:rPr lang="fr-FR"/>
               <a:t>Cliquez pour modifier le style des sous-titres du masque</a:t>
             </a:r>
-            <a:endParaRPr lang="fr-FR"/>
           </a:p>
         </p:txBody>
       </p:sp>
@@ -292,7 +310,7 @@
           <a:p>
             <a:fld id="{A27DC831-1883-458B-9005-36E5ECE4D51C}" type="datetimeFigureOut">
               <a:rPr lang="fr-FR" smtClean="0"/>
-              <a:t>29/05/2013</a:t>
+              <a:t>11/06/2023</a:t>
             </a:fld>
             <a:endParaRPr lang="fr-FR"/>
           </a:p>
@@ -381,10 +399,9 @@
           <a:lstStyle/>
           <a:p>
             <a:r>
-              <a:rPr lang="fr-FR" smtClean="0"/>
+              <a:rPr lang="fr-FR"/>
               <a:t>Cliquez pour modifier le style du titre</a:t>
             </a:r>
-            <a:endParaRPr lang="fr-FR"/>
           </a:p>
         </p:txBody>
       </p:sp>
@@ -405,38 +422,37 @@
           <a:p>
             <a:pPr lvl="0"/>
             <a:r>
-              <a:rPr lang="fr-FR" smtClean="0"/>
+              <a:rPr lang="fr-FR"/>
               <a:t>Cliquez pour modifier les styles du texte du masque</a:t>
             </a:r>
           </a:p>
           <a:p>
             <a:pPr lvl="1"/>
             <a:r>
-              <a:rPr lang="fr-FR" smtClean="0"/>
+              <a:rPr lang="fr-FR"/>
               <a:t>Deuxième niveau</a:t>
             </a:r>
           </a:p>
           <a:p>
             <a:pPr lvl="2"/>
             <a:r>
-              <a:rPr lang="fr-FR" smtClean="0"/>
+              <a:rPr lang="fr-FR"/>
               <a:t>Troisième niveau</a:t>
             </a:r>
           </a:p>
           <a:p>
             <a:pPr lvl="3"/>
             <a:r>
-              <a:rPr lang="fr-FR" smtClean="0"/>
+              <a:rPr lang="fr-FR"/>
               <a:t>Quatrième niveau</a:t>
             </a:r>
           </a:p>
           <a:p>
             <a:pPr lvl="4"/>
             <a:r>
-              <a:rPr lang="fr-FR" smtClean="0"/>
+              <a:rPr lang="fr-FR"/>
               <a:t>Cinquième niveau</a:t>
             </a:r>
-            <a:endParaRPr lang="fr-FR"/>
           </a:p>
         </p:txBody>
       </p:sp>
@@ -457,7 +473,7 @@
           <a:p>
             <a:fld id="{A27DC831-1883-458B-9005-36E5ECE4D51C}" type="datetimeFigureOut">
               <a:rPr lang="fr-FR" smtClean="0"/>
-              <a:t>29/05/2013</a:t>
+              <a:t>11/06/2023</a:t>
             </a:fld>
             <a:endParaRPr lang="fr-FR"/>
           </a:p>
@@ -551,10 +567,9 @@
           <a:lstStyle/>
           <a:p>
             <a:r>
-              <a:rPr lang="fr-FR" smtClean="0"/>
+              <a:rPr lang="fr-FR"/>
               <a:t>Cliquez pour modifier le style du titre</a:t>
             </a:r>
-            <a:endParaRPr lang="fr-FR"/>
           </a:p>
         </p:txBody>
       </p:sp>
@@ -580,38 +595,37 @@
           <a:p>
             <a:pPr lvl="0"/>
             <a:r>
-              <a:rPr lang="fr-FR" smtClean="0"/>
+              <a:rPr lang="fr-FR"/>
               <a:t>Cliquez pour modifier les styles du texte du masque</a:t>
             </a:r>
           </a:p>
           <a:p>
             <a:pPr lvl="1"/>
             <a:r>
-              <a:rPr lang="fr-FR" smtClean="0"/>
+              <a:rPr lang="fr-FR"/>
               <a:t>Deuxième niveau</a:t>
             </a:r>
           </a:p>
           <a:p>
             <a:pPr lvl="2"/>
             <a:r>
-              <a:rPr lang="fr-FR" smtClean="0"/>
+              <a:rPr lang="fr-FR"/>
               <a:t>Troisième niveau</a:t>
             </a:r>
           </a:p>
           <a:p>
             <a:pPr lvl="3"/>
             <a:r>
-              <a:rPr lang="fr-FR" smtClean="0"/>
+              <a:rPr lang="fr-FR"/>
               <a:t>Quatrième niveau</a:t>
             </a:r>
           </a:p>
           <a:p>
             <a:pPr lvl="4"/>
             <a:r>
-              <a:rPr lang="fr-FR" smtClean="0"/>
+              <a:rPr lang="fr-FR"/>
               <a:t>Cinquième niveau</a:t>
             </a:r>
-            <a:endParaRPr lang="fr-FR"/>
           </a:p>
         </p:txBody>
       </p:sp>
@@ -632,7 +646,7 @@
           <a:p>
             <a:fld id="{A27DC831-1883-458B-9005-36E5ECE4D51C}" type="datetimeFigureOut">
               <a:rPr lang="fr-FR" smtClean="0"/>
-              <a:t>29/05/2013</a:t>
+              <a:t>11/06/2023</a:t>
             </a:fld>
             <a:endParaRPr lang="fr-FR"/>
           </a:p>
@@ -721,10 +735,9 @@
           <a:lstStyle/>
           <a:p>
             <a:r>
-              <a:rPr lang="fr-FR" smtClean="0"/>
+              <a:rPr lang="fr-FR"/>
               <a:t>Cliquez pour modifier le style du titre</a:t>
             </a:r>
-            <a:endParaRPr lang="fr-FR"/>
           </a:p>
         </p:txBody>
       </p:sp>
@@ -745,38 +758,37 @@
           <a:p>
             <a:pPr lvl="0"/>
             <a:r>
-              <a:rPr lang="fr-FR" smtClean="0"/>
+              <a:rPr lang="fr-FR"/>
               <a:t>Cliquez pour modifier les styles du texte du masque</a:t>
             </a:r>
           </a:p>
           <a:p>
             <a:pPr lvl="1"/>
             <a:r>
-              <a:rPr lang="fr-FR" smtClean="0"/>
+              <a:rPr lang="fr-FR"/>
               <a:t>Deuxième niveau</a:t>
             </a:r>
           </a:p>
           <a:p>
             <a:pPr lvl="2"/>
             <a:r>
-              <a:rPr lang="fr-FR" smtClean="0"/>
+              <a:rPr lang="fr-FR"/>
               <a:t>Troisième niveau</a:t>
             </a:r>
           </a:p>
           <a:p>
             <a:pPr lvl="3"/>
             <a:r>
-              <a:rPr lang="fr-FR" smtClean="0"/>
+              <a:rPr lang="fr-FR"/>
               <a:t>Quatrième niveau</a:t>
             </a:r>
           </a:p>
           <a:p>
             <a:pPr lvl="4"/>
             <a:r>
-              <a:rPr lang="fr-FR" smtClean="0"/>
+              <a:rPr lang="fr-FR"/>
               <a:t>Cinquième niveau</a:t>
             </a:r>
-            <a:endParaRPr lang="fr-FR"/>
           </a:p>
         </p:txBody>
       </p:sp>
@@ -797,7 +809,7 @@
           <a:p>
             <a:fld id="{A27DC831-1883-458B-9005-36E5ECE4D51C}" type="datetimeFigureOut">
               <a:rPr lang="fr-FR" smtClean="0"/>
-              <a:t>29/05/2013</a:t>
+              <a:t>11/06/2023</a:t>
             </a:fld>
             <a:endParaRPr lang="fr-FR"/>
           </a:p>
@@ -895,10 +907,9 @@
           </a:lstStyle>
           <a:p>
             <a:r>
-              <a:rPr lang="fr-FR" smtClean="0"/>
+              <a:rPr lang="fr-FR"/>
               <a:t>Cliquez pour modifier le style du titre</a:t>
             </a:r>
-            <a:endParaRPr lang="fr-FR"/>
           </a:p>
         </p:txBody>
       </p:sp>
@@ -1015,7 +1026,7 @@
           <a:p>
             <a:pPr lvl="0"/>
             <a:r>
-              <a:rPr lang="fr-FR" smtClean="0"/>
+              <a:rPr lang="fr-FR"/>
               <a:t>Cliquez pour modifier les styles du texte du masque</a:t>
             </a:r>
           </a:p>
@@ -1038,7 +1049,7 @@
           <a:p>
             <a:fld id="{A27DC831-1883-458B-9005-36E5ECE4D51C}" type="datetimeFigureOut">
               <a:rPr lang="fr-FR" smtClean="0"/>
-              <a:t>29/05/2013</a:t>
+              <a:t>11/06/2023</a:t>
             </a:fld>
             <a:endParaRPr lang="fr-FR"/>
           </a:p>
@@ -1127,10 +1138,9 @@
           <a:lstStyle/>
           <a:p>
             <a:r>
-              <a:rPr lang="fr-FR" smtClean="0"/>
+              <a:rPr lang="fr-FR"/>
               <a:t>Cliquez pour modifier le style du titre</a:t>
             </a:r>
-            <a:endParaRPr lang="fr-FR"/>
           </a:p>
         </p:txBody>
       </p:sp>
@@ -1184,38 +1194,37 @@
           <a:p>
             <a:pPr lvl="0"/>
             <a:r>
-              <a:rPr lang="fr-FR" smtClean="0"/>
+              <a:rPr lang="fr-FR"/>
               <a:t>Cliquez pour modifier les styles du texte du masque</a:t>
             </a:r>
           </a:p>
           <a:p>
             <a:pPr lvl="1"/>
             <a:r>
-              <a:rPr lang="fr-FR" smtClean="0"/>
+              <a:rPr lang="fr-FR"/>
               <a:t>Deuxième niveau</a:t>
             </a:r>
           </a:p>
           <a:p>
             <a:pPr lvl="2"/>
             <a:r>
-              <a:rPr lang="fr-FR" smtClean="0"/>
+              <a:rPr lang="fr-FR"/>
               <a:t>Troisième niveau</a:t>
             </a:r>
           </a:p>
           <a:p>
             <a:pPr lvl="3"/>
             <a:r>
-              <a:rPr lang="fr-FR" smtClean="0"/>
+              <a:rPr lang="fr-FR"/>
               <a:t>Quatrième niveau</a:t>
             </a:r>
           </a:p>
           <a:p>
             <a:pPr lvl="4"/>
             <a:r>
-              <a:rPr lang="fr-FR" smtClean="0"/>
+              <a:rPr lang="fr-FR"/>
               <a:t>Cinquième niveau</a:t>
             </a:r>
-            <a:endParaRPr lang="fr-FR"/>
           </a:p>
         </p:txBody>
       </p:sp>
@@ -1269,38 +1278,37 @@
           <a:p>
             <a:pPr lvl="0"/>
             <a:r>
-              <a:rPr lang="fr-FR" smtClean="0"/>
+              <a:rPr lang="fr-FR"/>
               <a:t>Cliquez pour modifier les styles du texte du masque</a:t>
             </a:r>
           </a:p>
           <a:p>
             <a:pPr lvl="1"/>
             <a:r>
-              <a:rPr lang="fr-FR" smtClean="0"/>
+              <a:rPr lang="fr-FR"/>
               <a:t>Deuxième niveau</a:t>
             </a:r>
           </a:p>
           <a:p>
             <a:pPr lvl="2"/>
             <a:r>
-              <a:rPr lang="fr-FR" smtClean="0"/>
+              <a:rPr lang="fr-FR"/>
               <a:t>Troisième niveau</a:t>
             </a:r>
           </a:p>
           <a:p>
             <a:pPr lvl="3"/>
             <a:r>
-              <a:rPr lang="fr-FR" smtClean="0"/>
+              <a:rPr lang="fr-FR"/>
               <a:t>Quatrième niveau</a:t>
             </a:r>
           </a:p>
           <a:p>
             <a:pPr lvl="4"/>
             <a:r>
-              <a:rPr lang="fr-FR" smtClean="0"/>
+              <a:rPr lang="fr-FR"/>
               <a:t>Cinquième niveau</a:t>
             </a:r>
-            <a:endParaRPr lang="fr-FR"/>
           </a:p>
         </p:txBody>
       </p:sp>
@@ -1321,7 +1329,7 @@
           <a:p>
             <a:fld id="{A27DC831-1883-458B-9005-36E5ECE4D51C}" type="datetimeFigureOut">
               <a:rPr lang="fr-FR" smtClean="0"/>
-              <a:t>29/05/2013</a:t>
+              <a:t>11/06/2023</a:t>
             </a:fld>
             <a:endParaRPr lang="fr-FR"/>
           </a:p>
@@ -1414,10 +1422,9 @@
           </a:lstStyle>
           <a:p>
             <a:r>
-              <a:rPr lang="fr-FR" smtClean="0"/>
+              <a:rPr lang="fr-FR"/>
               <a:t>Cliquez pour modifier le style du titre</a:t>
             </a:r>
-            <a:endParaRPr lang="fr-FR"/>
           </a:p>
         </p:txBody>
       </p:sp>
@@ -1480,7 +1487,7 @@
           <a:p>
             <a:pPr lvl="0"/>
             <a:r>
-              <a:rPr lang="fr-FR" smtClean="0"/>
+              <a:rPr lang="fr-FR"/>
               <a:t>Cliquez pour modifier les styles du texte du masque</a:t>
             </a:r>
           </a:p>
@@ -1536,38 +1543,37 @@
           <a:p>
             <a:pPr lvl="0"/>
             <a:r>
-              <a:rPr lang="fr-FR" smtClean="0"/>
+              <a:rPr lang="fr-FR"/>
               <a:t>Cliquez pour modifier les styles du texte du masque</a:t>
             </a:r>
           </a:p>
           <a:p>
             <a:pPr lvl="1"/>
             <a:r>
-              <a:rPr lang="fr-FR" smtClean="0"/>
+              <a:rPr lang="fr-FR"/>
               <a:t>Deuxième niveau</a:t>
             </a:r>
           </a:p>
           <a:p>
             <a:pPr lvl="2"/>
             <a:r>
-              <a:rPr lang="fr-FR" smtClean="0"/>
+              <a:rPr lang="fr-FR"/>
               <a:t>Troisième niveau</a:t>
             </a:r>
           </a:p>
           <a:p>
             <a:pPr lvl="3"/>
             <a:r>
-              <a:rPr lang="fr-FR" smtClean="0"/>
+              <a:rPr lang="fr-FR"/>
               <a:t>Quatrième niveau</a:t>
             </a:r>
           </a:p>
           <a:p>
             <a:pPr lvl="4"/>
             <a:r>
-              <a:rPr lang="fr-FR" smtClean="0"/>
+              <a:rPr lang="fr-FR"/>
               <a:t>Cinquième niveau</a:t>
             </a:r>
-            <a:endParaRPr lang="fr-FR"/>
           </a:p>
         </p:txBody>
       </p:sp>
@@ -1630,7 +1636,7 @@
           <a:p>
             <a:pPr lvl="0"/>
             <a:r>
-              <a:rPr lang="fr-FR" smtClean="0"/>
+              <a:rPr lang="fr-FR"/>
               <a:t>Cliquez pour modifier les styles du texte du masque</a:t>
             </a:r>
           </a:p>
@@ -1686,38 +1692,37 @@
           <a:p>
             <a:pPr lvl="0"/>
             <a:r>
-              <a:rPr lang="fr-FR" smtClean="0"/>
+              <a:rPr lang="fr-FR"/>
               <a:t>Cliquez pour modifier les styles du texte du masque</a:t>
             </a:r>
           </a:p>
           <a:p>
             <a:pPr lvl="1"/>
             <a:r>
-              <a:rPr lang="fr-FR" smtClean="0"/>
+              <a:rPr lang="fr-FR"/>
               <a:t>Deuxième niveau</a:t>
             </a:r>
           </a:p>
           <a:p>
             <a:pPr lvl="2"/>
             <a:r>
-              <a:rPr lang="fr-FR" smtClean="0"/>
+              <a:rPr lang="fr-FR"/>
               <a:t>Troisième niveau</a:t>
             </a:r>
           </a:p>
           <a:p>
             <a:pPr lvl="3"/>
             <a:r>
-              <a:rPr lang="fr-FR" smtClean="0"/>
+              <a:rPr lang="fr-FR"/>
               <a:t>Quatrième niveau</a:t>
             </a:r>
           </a:p>
           <a:p>
             <a:pPr lvl="4"/>
             <a:r>
-              <a:rPr lang="fr-FR" smtClean="0"/>
+              <a:rPr lang="fr-FR"/>
               <a:t>Cinquième niveau</a:t>
             </a:r>
-            <a:endParaRPr lang="fr-FR"/>
           </a:p>
         </p:txBody>
       </p:sp>
@@ -1738,7 +1743,7 @@
           <a:p>
             <a:fld id="{A27DC831-1883-458B-9005-36E5ECE4D51C}" type="datetimeFigureOut">
               <a:rPr lang="fr-FR" smtClean="0"/>
-              <a:t>29/05/2013</a:t>
+              <a:t>11/06/2023</a:t>
             </a:fld>
             <a:endParaRPr lang="fr-FR"/>
           </a:p>
@@ -1827,10 +1832,9 @@
           <a:lstStyle/>
           <a:p>
             <a:r>
-              <a:rPr lang="fr-FR" smtClean="0"/>
+              <a:rPr lang="fr-FR"/>
               <a:t>Cliquez pour modifier le style du titre</a:t>
             </a:r>
-            <a:endParaRPr lang="fr-FR"/>
           </a:p>
         </p:txBody>
       </p:sp>
@@ -1851,7 +1855,7 @@
           <a:p>
             <a:fld id="{A27DC831-1883-458B-9005-36E5ECE4D51C}" type="datetimeFigureOut">
               <a:rPr lang="fr-FR" smtClean="0"/>
-              <a:t>29/05/2013</a:t>
+              <a:t>11/06/2023</a:t>
             </a:fld>
             <a:endParaRPr lang="fr-FR"/>
           </a:p>
@@ -1941,7 +1945,7 @@
           <a:p>
             <a:fld id="{A27DC831-1883-458B-9005-36E5ECE4D51C}" type="datetimeFigureOut">
               <a:rPr lang="fr-FR" smtClean="0"/>
-              <a:t>29/05/2013</a:t>
+              <a:t>11/06/2023</a:t>
             </a:fld>
             <a:endParaRPr lang="fr-FR"/>
           </a:p>
@@ -2039,10 +2043,9 @@
           </a:lstStyle>
           <a:p>
             <a:r>
-              <a:rPr lang="fr-FR" smtClean="0"/>
+              <a:rPr lang="fr-FR"/>
               <a:t>Cliquez pour modifier le style du titre</a:t>
             </a:r>
-            <a:endParaRPr lang="fr-FR"/>
           </a:p>
         </p:txBody>
       </p:sp>
@@ -2096,38 +2099,37 @@
           <a:p>
             <a:pPr lvl="0"/>
             <a:r>
-              <a:rPr lang="fr-FR" smtClean="0"/>
+              <a:rPr lang="fr-FR"/>
               <a:t>Cliquez pour modifier les styles du texte du masque</a:t>
             </a:r>
           </a:p>
           <a:p>
             <a:pPr lvl="1"/>
             <a:r>
-              <a:rPr lang="fr-FR" smtClean="0"/>
+              <a:rPr lang="fr-FR"/>
               <a:t>Deuxième niveau</a:t>
             </a:r>
           </a:p>
           <a:p>
             <a:pPr lvl="2"/>
             <a:r>
-              <a:rPr lang="fr-FR" smtClean="0"/>
+              <a:rPr lang="fr-FR"/>
               <a:t>Troisième niveau</a:t>
             </a:r>
           </a:p>
           <a:p>
             <a:pPr lvl="3"/>
             <a:r>
-              <a:rPr lang="fr-FR" smtClean="0"/>
+              <a:rPr lang="fr-FR"/>
               <a:t>Quatrième niveau</a:t>
             </a:r>
           </a:p>
           <a:p>
             <a:pPr lvl="4"/>
             <a:r>
-              <a:rPr lang="fr-FR" smtClean="0"/>
+              <a:rPr lang="fr-FR"/>
               <a:t>Cinquième niveau</a:t>
             </a:r>
-            <a:endParaRPr lang="fr-FR"/>
           </a:p>
         </p:txBody>
       </p:sp>
@@ -2190,7 +2192,7 @@
           <a:p>
             <a:pPr lvl="0"/>
             <a:r>
-              <a:rPr lang="fr-FR" smtClean="0"/>
+              <a:rPr lang="fr-FR"/>
               <a:t>Cliquez pour modifier les styles du texte du masque</a:t>
             </a:r>
           </a:p>
@@ -2213,7 +2215,7 @@
           <a:p>
             <a:fld id="{A27DC831-1883-458B-9005-36E5ECE4D51C}" type="datetimeFigureOut">
               <a:rPr lang="fr-FR" smtClean="0"/>
-              <a:t>29/05/2013</a:t>
+              <a:t>11/06/2023</a:t>
             </a:fld>
             <a:endParaRPr lang="fr-FR"/>
           </a:p>
@@ -2311,10 +2313,9 @@
           </a:lstStyle>
           <a:p>
             <a:r>
-              <a:rPr lang="fr-FR" smtClean="0"/>
+              <a:rPr lang="fr-FR"/>
               <a:t>Cliquez pour modifier le style du titre</a:t>
             </a:r>
-            <a:endParaRPr lang="fr-FR"/>
           </a:p>
         </p:txBody>
       </p:sp>
@@ -2438,7 +2439,7 @@
           <a:p>
             <a:pPr lvl="0"/>
             <a:r>
-              <a:rPr lang="fr-FR" smtClean="0"/>
+              <a:rPr lang="fr-FR"/>
               <a:t>Cliquez pour modifier les styles du texte du masque</a:t>
             </a:r>
           </a:p>
@@ -2461,7 +2462,7 @@
           <a:p>
             <a:fld id="{A27DC831-1883-458B-9005-36E5ECE4D51C}" type="datetimeFigureOut">
               <a:rPr lang="fr-FR" smtClean="0"/>
-              <a:t>29/05/2013</a:t>
+              <a:t>11/06/2023</a:t>
             </a:fld>
             <a:endParaRPr lang="fr-FR"/>
           </a:p>
@@ -2565,10 +2566,9 @@
           <a:lstStyle/>
           <a:p>
             <a:r>
-              <a:rPr lang="fr-FR" smtClean="0"/>
+              <a:rPr lang="fr-FR"/>
               <a:t>Cliquez pour modifier le style du titre</a:t>
             </a:r>
-            <a:endParaRPr lang="fr-FR"/>
           </a:p>
         </p:txBody>
       </p:sp>
@@ -2599,38 +2599,37 @@
           <a:p>
             <a:pPr lvl="0"/>
             <a:r>
-              <a:rPr lang="fr-FR" smtClean="0"/>
+              <a:rPr lang="fr-FR"/>
               <a:t>Cliquez pour modifier les styles du texte du masque</a:t>
             </a:r>
           </a:p>
           <a:p>
             <a:pPr lvl="1"/>
             <a:r>
-              <a:rPr lang="fr-FR" smtClean="0"/>
+              <a:rPr lang="fr-FR"/>
               <a:t>Deuxième niveau</a:t>
             </a:r>
           </a:p>
           <a:p>
             <a:pPr lvl="2"/>
             <a:r>
-              <a:rPr lang="fr-FR" smtClean="0"/>
+              <a:rPr lang="fr-FR"/>
               <a:t>Troisième niveau</a:t>
             </a:r>
           </a:p>
           <a:p>
             <a:pPr lvl="3"/>
             <a:r>
-              <a:rPr lang="fr-FR" smtClean="0"/>
+              <a:rPr lang="fr-FR"/>
               <a:t>Quatrième niveau</a:t>
             </a:r>
           </a:p>
           <a:p>
             <a:pPr lvl="4"/>
             <a:r>
-              <a:rPr lang="fr-FR" smtClean="0"/>
+              <a:rPr lang="fr-FR"/>
               <a:t>Cinquième niveau</a:t>
             </a:r>
-            <a:endParaRPr lang="fr-FR"/>
           </a:p>
         </p:txBody>
       </p:sp>
@@ -2669,7 +2668,7 @@
           <a:p>
             <a:fld id="{A27DC831-1883-458B-9005-36E5ECE4D51C}" type="datetimeFigureOut">
               <a:rPr lang="fr-FR" smtClean="0"/>
-              <a:t>29/05/2013</a:t>
+              <a:t>11/06/2023</a:t>
             </a:fld>
             <a:endParaRPr lang="fr-FR"/>
           </a:p>
@@ -3057,10 +3056,9 @@
           <a:lstStyle/>
           <a:p>
             <a:r>
-              <a:rPr lang="fr-FR" sz="6600" b="1" dirty="0" smtClean="0"/>
+              <a:rPr lang="fr-FR" sz="6600" b="1" dirty="0"/>
               <a:t>305</a:t>
             </a:r>
-            <a:endParaRPr lang="fr-FR" sz="6600" b="1" dirty="0"/>
           </a:p>
         </p:txBody>
       </p:sp>
@@ -3080,19 +3078,19 @@
           <a:lstStyle/>
           <a:p>
             <a:r>
-              <a:rPr lang="en-GB" dirty="0" smtClean="0"/>
+              <a:rPr lang="en-GB" dirty="0"/>
               <a:t>O ! </a:t>
             </a:r>
             <a:r>
-              <a:rPr lang="en-GB" dirty="0" err="1" smtClean="0"/>
+              <a:rPr lang="en-GB" dirty="0" err="1"/>
               <a:t>miasà</a:t>
             </a:r>
             <a:r>
-              <a:rPr lang="en-GB" dirty="0" smtClean="0"/>
+              <a:rPr lang="en-GB" dirty="0"/>
               <a:t>, </a:t>
             </a:r>
             <a:r>
-              <a:rPr lang="en-GB" dirty="0" err="1" smtClean="0"/>
+              <a:rPr lang="en-GB" dirty="0" err="1"/>
               <a:t>sakaiza</a:t>
             </a:r>
             <a:endParaRPr lang="fr-FR" dirty="0"/>
@@ -3136,8 +3134,8 @@
         </p:nvSpPr>
         <p:spPr>
           <a:xfrm>
-            <a:off x="571472" y="285728"/>
-            <a:ext cx="7772400" cy="6072230"/>
+            <a:off x="0" y="285728"/>
+            <a:ext cx="9144000" cy="6072230"/>
           </a:xfrm>
         </p:spPr>
         <p:txBody>
@@ -3147,255 +3145,111 @@
           <a:lstStyle/>
           <a:p>
             <a:r>
-              <a:rPr lang="en-GB" dirty="0" smtClean="0"/>
-              <a:t>1) </a:t>
-            </a:r>
-            <a:r>
-              <a:rPr lang="en-GB" dirty="0"/>
-              <a:t>O ! </a:t>
-            </a:r>
-            <a:r>
-              <a:rPr lang="en-GB" dirty="0" err="1"/>
+              <a:rPr lang="en-GB" sz="8000" dirty="0"/>
+              <a:t>1) O ! </a:t>
+            </a:r>
+            <a:r>
+              <a:rPr lang="en-GB" sz="8000" dirty="0" err="1"/>
               <a:t>miasà</a:t>
             </a:r>
             <a:r>
-              <a:rPr lang="en-GB" dirty="0"/>
+              <a:rPr lang="en-GB" sz="8000" dirty="0"/>
               <a:t>, </a:t>
             </a:r>
             <a:r>
-              <a:rPr lang="en-GB" dirty="0" err="1"/>
+              <a:rPr lang="en-GB" sz="8000" dirty="0" err="1"/>
               <a:t>sakaiza</a:t>
             </a:r>
             <a:r>
-              <a:rPr lang="en-GB" dirty="0"/>
+              <a:rPr lang="en-GB" sz="8000" dirty="0"/>
               <a:t>,</a:t>
             </a:r>
-            <a:r>
-              <a:rPr lang="fr-FR" dirty="0"/>
-              <a:t/>
-            </a:r>
             <a:br>
-              <a:rPr lang="fr-FR" dirty="0"/>
+              <a:rPr lang="fr-FR" sz="8000" dirty="0"/>
             </a:br>
             <a:r>
-              <a:rPr lang="en-GB" dirty="0"/>
+              <a:rPr lang="en-GB" sz="8000" dirty="0"/>
               <a:t>      </a:t>
             </a:r>
             <a:r>
-              <a:rPr lang="en-GB" dirty="0" err="1"/>
+              <a:rPr lang="en-GB" sz="8000" dirty="0" err="1"/>
               <a:t>Jeso</a:t>
             </a:r>
             <a:r>
-              <a:rPr lang="en-GB" dirty="0"/>
+              <a:rPr lang="en-GB" sz="8000" dirty="0"/>
               <a:t> no </a:t>
             </a:r>
             <a:r>
-              <a:rPr lang="en-GB" dirty="0" err="1"/>
+              <a:rPr lang="en-GB" sz="8000" dirty="0" err="1"/>
               <a:t>herinao</a:t>
             </a:r>
             <a:r>
-              <a:rPr lang="en-GB" dirty="0"/>
+              <a:rPr lang="en-GB" sz="8000" dirty="0"/>
               <a:t> ;</a:t>
             </a:r>
-            <a:r>
-              <a:rPr lang="fr-FR" dirty="0"/>
-              <a:t/>
-            </a:r>
             <a:br>
-              <a:rPr lang="fr-FR" dirty="0"/>
+              <a:rPr lang="fr-FR" sz="8000" dirty="0"/>
             </a:br>
             <a:r>
-              <a:rPr lang="en-GB" dirty="0"/>
+              <a:rPr lang="en-GB" sz="8000" dirty="0"/>
               <a:t>   Na </a:t>
             </a:r>
             <a:r>
-              <a:rPr lang="en-GB" dirty="0" err="1"/>
+              <a:rPr lang="en-GB" sz="8000" dirty="0" err="1"/>
               <a:t>misy</a:t>
             </a:r>
             <a:r>
-              <a:rPr lang="en-GB" dirty="0"/>
+              <a:rPr lang="en-GB" sz="8000" dirty="0"/>
               <a:t> </a:t>
             </a:r>
             <a:r>
-              <a:rPr lang="en-GB" dirty="0" err="1"/>
+              <a:rPr lang="en-GB" sz="8000" dirty="0" err="1"/>
               <a:t>mafy</a:t>
             </a:r>
             <a:r>
-              <a:rPr lang="en-GB" dirty="0"/>
+              <a:rPr lang="en-GB" sz="8000" dirty="0"/>
               <a:t> </a:t>
             </a:r>
             <a:r>
-              <a:rPr lang="en-GB" dirty="0" err="1"/>
+              <a:rPr lang="en-GB" sz="8000" dirty="0" err="1"/>
               <a:t>aza</a:t>
             </a:r>
             <a:r>
-              <a:rPr lang="en-GB" dirty="0"/>
+              <a:rPr lang="en-GB" sz="8000" dirty="0"/>
               <a:t>,</a:t>
             </a:r>
-            <a:r>
-              <a:rPr lang="fr-FR" dirty="0"/>
-              <a:t/>
-            </a:r>
             <a:br>
-              <a:rPr lang="fr-FR" dirty="0"/>
+              <a:rPr lang="fr-FR" sz="8000" dirty="0"/>
             </a:br>
             <a:r>
-              <a:rPr lang="en-GB" dirty="0"/>
+              <a:rPr lang="en-GB" sz="8000" dirty="0"/>
               <a:t>      </a:t>
             </a:r>
             <a:r>
-              <a:rPr lang="en-GB" dirty="0" err="1"/>
+              <a:rPr lang="en-GB" sz="8000" dirty="0" err="1"/>
               <a:t>Izy</a:t>
             </a:r>
             <a:r>
-              <a:rPr lang="en-GB" dirty="0"/>
+              <a:rPr lang="en-GB" sz="8000" dirty="0"/>
               <a:t> </a:t>
             </a:r>
             <a:r>
-              <a:rPr lang="en-GB" dirty="0" err="1"/>
+              <a:rPr lang="en-GB" sz="8000" dirty="0" err="1"/>
               <a:t>tsy</a:t>
             </a:r>
             <a:r>
-              <a:rPr lang="en-GB" dirty="0"/>
+              <a:rPr lang="en-GB" sz="8000" dirty="0"/>
               <a:t> </a:t>
             </a:r>
             <a:r>
-              <a:rPr lang="en-GB" dirty="0" err="1"/>
+              <a:rPr lang="en-GB" sz="8000" dirty="0" err="1"/>
               <a:t>handao</a:t>
             </a:r>
             <a:r>
-              <a:rPr lang="en-GB" dirty="0"/>
+              <a:rPr lang="en-GB" sz="8000" dirty="0"/>
               <a:t>.</a:t>
             </a:r>
-            <a:r>
-              <a:rPr lang="fr-FR" dirty="0"/>
-              <a:t/>
-            </a:r>
-            <a:br>
-              <a:rPr lang="fr-FR" dirty="0"/>
-            </a:br>
-            <a:r>
-              <a:rPr lang="en-GB" dirty="0"/>
-              <a:t>   </a:t>
-            </a:r>
-            <a:r>
-              <a:rPr lang="en-GB" dirty="0" err="1"/>
-              <a:t>Di</a:t>
-            </a:r>
-            <a:r>
-              <a:rPr lang="en-GB" i="1" dirty="0" err="1"/>
-              <a:t>a</a:t>
-            </a:r>
-            <a:r>
-              <a:rPr lang="en-GB" dirty="0"/>
-              <a:t> </a:t>
-            </a:r>
-            <a:r>
-              <a:rPr lang="en-GB" dirty="0" err="1"/>
-              <a:t>matokia</a:t>
-            </a:r>
-            <a:r>
-              <a:rPr lang="en-GB" dirty="0"/>
-              <a:t> </a:t>
-            </a:r>
-            <a:r>
-              <a:rPr lang="en-GB" dirty="0" err="1"/>
-              <a:t>tokoa</a:t>
-            </a:r>
-            <a:r>
-              <a:rPr lang="en-GB" dirty="0"/>
-              <a:t>,</a:t>
-            </a:r>
-            <a:r>
-              <a:rPr lang="fr-FR" dirty="0"/>
-              <a:t/>
-            </a:r>
-            <a:br>
-              <a:rPr lang="fr-FR" dirty="0"/>
-            </a:br>
-            <a:r>
-              <a:rPr lang="en-GB" dirty="0"/>
-              <a:t>      </a:t>
-            </a:r>
-            <a:r>
-              <a:rPr lang="en-GB" dirty="0" err="1"/>
-              <a:t>Fa</a:t>
-            </a:r>
-            <a:r>
-              <a:rPr lang="en-GB" dirty="0"/>
-              <a:t> </a:t>
-            </a:r>
-            <a:r>
-              <a:rPr lang="en-GB" dirty="0" err="1"/>
-              <a:t>Jeso</a:t>
-            </a:r>
-            <a:r>
-              <a:rPr lang="en-GB" dirty="0"/>
-              <a:t> </a:t>
-            </a:r>
-            <a:r>
-              <a:rPr lang="en-GB" dirty="0" err="1"/>
-              <a:t>momb</a:t>
-            </a:r>
-            <a:r>
-              <a:rPr lang="en-GB" i="1" dirty="0" err="1"/>
-              <a:t>a</a:t>
-            </a:r>
-            <a:r>
-              <a:rPr lang="en-GB" dirty="0"/>
-              <a:t>  </a:t>
-            </a:r>
-            <a:r>
-              <a:rPr lang="en-GB" dirty="0" err="1"/>
-              <a:t>anao</a:t>
-            </a:r>
-            <a:r>
-              <a:rPr lang="en-GB" dirty="0"/>
-              <a:t>,</a:t>
-            </a:r>
-            <a:r>
-              <a:rPr lang="fr-FR" dirty="0"/>
-              <a:t/>
-            </a:r>
-            <a:br>
-              <a:rPr lang="fr-FR" dirty="0"/>
-            </a:br>
-            <a:r>
-              <a:rPr lang="en-GB" dirty="0"/>
-              <a:t>   Ka </a:t>
-            </a:r>
-            <a:r>
-              <a:rPr lang="en-GB" dirty="0" err="1"/>
-              <a:t>hisy</a:t>
-            </a:r>
-            <a:r>
-              <a:rPr lang="en-GB" dirty="0"/>
-              <a:t> </a:t>
-            </a:r>
-            <a:r>
-              <a:rPr lang="en-GB" dirty="0" err="1"/>
-              <a:t>vokan-tsoa</a:t>
-            </a:r>
-            <a:r>
-              <a:rPr lang="fr-FR" dirty="0"/>
-              <a:t/>
-            </a:r>
-            <a:br>
-              <a:rPr lang="fr-FR" dirty="0"/>
-            </a:br>
-            <a:r>
-              <a:rPr lang="en-GB" dirty="0"/>
-              <a:t>      </a:t>
-            </a:r>
-            <a:r>
-              <a:rPr lang="en-GB" dirty="0" err="1"/>
-              <a:t>Hifalianao</a:t>
-            </a:r>
-            <a:r>
-              <a:rPr lang="en-GB" dirty="0" smtClean="0"/>
-              <a:t>.</a:t>
-            </a:r>
-            <a:endParaRPr lang="fr-FR" dirty="0"/>
+            <a:endParaRPr lang="fr-FR" sz="8000" dirty="0"/>
           </a:p>
         </p:txBody>
       </p:sp>
@@ -3426,284 +3280,140 @@
       </p:grpSpPr>
       <p:sp>
         <p:nvSpPr>
-          <p:cNvPr id="2" name="Titre 1"/>
-          <p:cNvSpPr>
-            <a:spLocks noGrp="1"/>
-          </p:cNvSpPr>
-          <p:nvPr>
-            <p:ph type="ctrTitle"/>
-          </p:nvPr>
+          <p:cNvPr id="5" name="ZoneTexte 4">
+            <a:extLst>
+              <a:ext uri="{FF2B5EF4-FFF2-40B4-BE49-F238E27FC236}">
+                <a16:creationId xmlns:a16="http://schemas.microsoft.com/office/drawing/2014/main" id="{164C34A1-93A3-E9BD-EC97-8FF92F39ED85}"/>
+              </a:ext>
+            </a:extLst>
+          </p:cNvPr>
+          <p:cNvSpPr txBox="1"/>
+          <p:nvPr/>
         </p:nvSpPr>
         <p:spPr>
           <a:xfrm>
-            <a:off x="571472" y="285728"/>
-            <a:ext cx="7772400" cy="6072230"/>
+            <a:off x="251520" y="260648"/>
+            <a:ext cx="8532440" cy="6247864"/>
           </a:xfrm>
+          <a:prstGeom prst="rect">
+            <a:avLst/>
+          </a:prstGeom>
+          <a:noFill/>
         </p:spPr>
         <p:txBody>
-          <a:bodyPr>
-            <a:normAutofit/>
+          <a:bodyPr wrap="square">
+            <a:spAutoFit/>
           </a:bodyPr>
           <a:lstStyle/>
           <a:p>
-            <a:r>
-              <a:rPr lang="en-GB" dirty="0" smtClean="0"/>
-              <a:t>2) </a:t>
-            </a:r>
-            <a:r>
-              <a:rPr lang="en-GB" dirty="0" err="1" smtClean="0"/>
-              <a:t>Maro</a:t>
-            </a:r>
-            <a:r>
-              <a:rPr lang="en-GB" dirty="0" smtClean="0"/>
+            <a:pPr algn="ctr"/>
+            <a:r>
+              <a:rPr lang="en-GB" sz="8000" dirty="0"/>
               <a:t> </a:t>
             </a:r>
             <a:r>
-              <a:rPr lang="en-GB" dirty="0" err="1"/>
-              <a:t>ny</a:t>
-            </a:r>
-            <a:r>
-              <a:rPr lang="en-GB" dirty="0"/>
+              <a:rPr lang="en-GB" sz="8000" dirty="0" err="1"/>
+              <a:t>Di</a:t>
+            </a:r>
+            <a:r>
+              <a:rPr lang="en-GB" sz="8000" i="1" dirty="0" err="1"/>
+              <a:t>a</a:t>
+            </a:r>
+            <a:r>
+              <a:rPr lang="en-GB" sz="8000" dirty="0"/>
               <a:t> </a:t>
             </a:r>
             <a:r>
-              <a:rPr lang="en-GB" dirty="0" err="1"/>
-              <a:t>andro</a:t>
-            </a:r>
-            <a:r>
-              <a:rPr lang="en-GB" dirty="0"/>
+              <a:rPr lang="en-GB" sz="8000" dirty="0" err="1"/>
+              <a:t>matokia</a:t>
+            </a:r>
+            <a:r>
+              <a:rPr lang="en-GB" sz="8000" dirty="0"/>
               <a:t> </a:t>
             </a:r>
             <a:r>
-              <a:rPr lang="en-GB" dirty="0" err="1"/>
-              <a:t>lasa</a:t>
-            </a:r>
-            <a:r>
-              <a:rPr lang="fr-FR" dirty="0"/>
-              <a:t/>
+              <a:rPr lang="en-GB" sz="8000" dirty="0" err="1"/>
+              <a:t>tokoa</a:t>
+            </a:r>
+            <a:r>
+              <a:rPr lang="en-GB" sz="8000" dirty="0"/>
+              <a:t>,</a:t>
             </a:r>
             <a:br>
-              <a:rPr lang="fr-FR" dirty="0"/>
+              <a:rPr lang="fr-FR" sz="8000" dirty="0"/>
             </a:br>
             <a:r>
-              <a:rPr lang="en-GB" dirty="0"/>
-              <a:t>      </a:t>
-            </a:r>
-            <a:r>
-              <a:rPr lang="en-GB" i="1" dirty="0" err="1"/>
-              <a:t>I</a:t>
-            </a:r>
-            <a:r>
-              <a:rPr lang="en-GB" dirty="0" err="1"/>
-              <a:t>zay</a:t>
-            </a:r>
-            <a:r>
-              <a:rPr lang="en-GB" dirty="0"/>
+              <a:rPr lang="en-GB" sz="8000" dirty="0"/>
+              <a:t>Fa </a:t>
+            </a:r>
+            <a:r>
+              <a:rPr lang="en-GB" sz="8000" dirty="0" err="1"/>
+              <a:t>Jeso</a:t>
+            </a:r>
+            <a:r>
+              <a:rPr lang="en-GB" sz="8000" dirty="0"/>
               <a:t> </a:t>
             </a:r>
             <a:r>
-              <a:rPr lang="en-GB" dirty="0" err="1"/>
-              <a:t>tsy</a:t>
-            </a:r>
-            <a:r>
-              <a:rPr lang="en-GB" dirty="0"/>
+              <a:rPr lang="en-GB" sz="8000" dirty="0" err="1"/>
+              <a:t>momb</a:t>
+            </a:r>
+            <a:r>
+              <a:rPr lang="en-GB" sz="8000" i="1" dirty="0" err="1"/>
+              <a:t>a</a:t>
+            </a:r>
+            <a:r>
+              <a:rPr lang="en-GB" sz="8000" dirty="0"/>
               <a:t> </a:t>
             </a:r>
             <a:r>
-              <a:rPr lang="en-GB" dirty="0" err="1"/>
-              <a:t>nanaovanao</a:t>
-            </a:r>
-            <a:r>
-              <a:rPr lang="en-GB" dirty="0"/>
+              <a:rPr lang="en-GB" sz="8000" dirty="0" err="1"/>
+              <a:t>anao</a:t>
+            </a:r>
+            <a:r>
+              <a:rPr lang="en-GB" sz="8000" dirty="0"/>
               <a:t>,</a:t>
             </a:r>
-            <a:r>
-              <a:rPr lang="fr-FR" dirty="0"/>
-              <a:t/>
-            </a:r>
             <a:br>
-              <a:rPr lang="fr-FR" dirty="0"/>
+              <a:rPr lang="fr-FR" sz="8000" dirty="0"/>
             </a:br>
             <a:r>
-              <a:rPr lang="en-GB" dirty="0"/>
-              <a:t>   Ka </a:t>
-            </a:r>
-            <a:r>
-              <a:rPr lang="en-GB" dirty="0" err="1"/>
-              <a:t>mbola</a:t>
-            </a:r>
-            <a:r>
-              <a:rPr lang="en-GB" dirty="0"/>
-              <a:t> be </a:t>
-            </a:r>
-            <a:r>
-              <a:rPr lang="en-GB" dirty="0" err="1"/>
-              <a:t>ny</a:t>
-            </a:r>
-            <a:r>
-              <a:rPr lang="en-GB" dirty="0"/>
+              <a:rPr lang="en-GB" sz="8000" dirty="0"/>
+              <a:t>Ka </a:t>
+            </a:r>
+            <a:r>
+              <a:rPr lang="en-GB" sz="8000" dirty="0" err="1"/>
+              <a:t>hisy</a:t>
+            </a:r>
+            <a:r>
+              <a:rPr lang="en-GB" sz="8000" dirty="0"/>
               <a:t> </a:t>
             </a:r>
             <a:r>
-              <a:rPr lang="en-GB" dirty="0" err="1"/>
-              <a:t>asa</a:t>
-            </a:r>
-            <a:r>
-              <a:rPr lang="fr-FR" dirty="0"/>
-              <a:t/>
+              <a:rPr lang="en-GB" sz="8000" dirty="0" err="1"/>
+              <a:t>vokan-tsoa</a:t>
             </a:r>
             <a:br>
-              <a:rPr lang="fr-FR" dirty="0"/>
+              <a:rPr lang="fr-FR" sz="8000" dirty="0"/>
             </a:br>
             <a:r>
-              <a:rPr lang="en-GB" dirty="0"/>
-              <a:t>      </a:t>
-            </a:r>
-            <a:r>
-              <a:rPr lang="en-GB" i="1" dirty="0" err="1"/>
-              <a:t>I</a:t>
-            </a:r>
-            <a:r>
-              <a:rPr lang="en-GB" dirty="0" err="1"/>
-              <a:t>zay</a:t>
-            </a:r>
-            <a:r>
-              <a:rPr lang="en-GB" dirty="0"/>
-              <a:t> </a:t>
-            </a:r>
-            <a:r>
-              <a:rPr lang="en-GB" dirty="0" err="1"/>
-              <a:t>tsy</a:t>
-            </a:r>
-            <a:r>
-              <a:rPr lang="en-GB" dirty="0"/>
-              <a:t> </a:t>
-            </a:r>
-            <a:r>
-              <a:rPr lang="en-GB" dirty="0" err="1"/>
-              <a:t>vitanao</a:t>
-            </a:r>
-            <a:r>
-              <a:rPr lang="en-GB" dirty="0"/>
-              <a:t>,</a:t>
-            </a:r>
-            <a:r>
-              <a:rPr lang="fr-FR" dirty="0"/>
-              <a:t/>
-            </a:r>
-            <a:br>
-              <a:rPr lang="fr-FR" dirty="0"/>
-            </a:br>
-            <a:r>
-              <a:rPr lang="en-GB" dirty="0"/>
-              <a:t>   Koa </a:t>
-            </a:r>
-            <a:r>
-              <a:rPr lang="en-GB" dirty="0" err="1"/>
-              <a:t>dia</a:t>
-            </a:r>
-            <a:r>
-              <a:rPr lang="en-GB" dirty="0"/>
-              <a:t> </a:t>
-            </a:r>
-            <a:r>
-              <a:rPr lang="en-GB" dirty="0" err="1"/>
-              <a:t>mitsangàna</a:t>
-            </a:r>
-            <a:r>
-              <a:rPr lang="en-GB" dirty="0"/>
-              <a:t>,</a:t>
-            </a:r>
-            <a:r>
-              <a:rPr lang="fr-FR" dirty="0"/>
-              <a:t/>
-            </a:r>
-            <a:br>
-              <a:rPr lang="fr-FR" dirty="0"/>
-            </a:br>
-            <a:r>
-              <a:rPr lang="en-GB" dirty="0"/>
-              <a:t>      </a:t>
-            </a:r>
-            <a:r>
-              <a:rPr lang="en-GB" dirty="0" err="1"/>
-              <a:t>Hanao</a:t>
-            </a:r>
-            <a:r>
-              <a:rPr lang="en-GB" dirty="0"/>
-              <a:t> </a:t>
-            </a:r>
-            <a:r>
-              <a:rPr lang="en-GB" dirty="0" err="1"/>
-              <a:t>tokoa</a:t>
-            </a:r>
-            <a:r>
-              <a:rPr lang="en-GB" dirty="0"/>
-              <a:t> </a:t>
-            </a:r>
-            <a:r>
-              <a:rPr lang="en-GB" dirty="0" err="1"/>
-              <a:t>izao</a:t>
-            </a:r>
-            <a:r>
-              <a:rPr lang="en-GB" dirty="0"/>
-              <a:t>,</a:t>
-            </a:r>
-            <a:r>
-              <a:rPr lang="fr-FR" dirty="0"/>
-              <a:t/>
-            </a:r>
-            <a:br>
-              <a:rPr lang="fr-FR" dirty="0"/>
-            </a:br>
-            <a:r>
-              <a:rPr lang="en-GB" dirty="0"/>
-              <a:t>   </a:t>
-            </a:r>
-            <a:r>
-              <a:rPr lang="en-GB" dirty="0" err="1"/>
-              <a:t>Hahavitanao</a:t>
-            </a:r>
-            <a:r>
-              <a:rPr lang="en-GB" dirty="0"/>
-              <a:t> </a:t>
-            </a:r>
-            <a:r>
-              <a:rPr lang="en-GB" dirty="0" err="1"/>
-              <a:t>tsara</a:t>
-            </a:r>
-            <a:r>
-              <a:rPr lang="fr-FR" dirty="0"/>
-              <a:t/>
-            </a:r>
-            <a:br>
-              <a:rPr lang="fr-FR" dirty="0"/>
-            </a:br>
-            <a:r>
-              <a:rPr lang="en-GB" dirty="0"/>
-              <a:t>      </a:t>
-            </a:r>
-            <a:r>
-              <a:rPr lang="en-GB" dirty="0" err="1"/>
-              <a:t>Ny</a:t>
-            </a:r>
-            <a:r>
-              <a:rPr lang="en-GB" dirty="0"/>
-              <a:t> </a:t>
-            </a:r>
-            <a:r>
-              <a:rPr lang="en-GB" dirty="0" err="1"/>
-              <a:t>anjaranao</a:t>
-            </a:r>
-            <a:r>
-              <a:rPr lang="en-GB" dirty="0"/>
+              <a:rPr lang="en-GB" sz="8000" dirty="0" err="1"/>
+              <a:t>Hifalianao</a:t>
+            </a:r>
+            <a:r>
+              <a:rPr lang="en-GB" sz="8000" dirty="0"/>
               <a:t>.</a:t>
             </a:r>
-            <a:endParaRPr lang="fr-FR" dirty="0"/>
+            <a:endParaRPr lang="fr-FR" sz="8000" dirty="0"/>
           </a:p>
         </p:txBody>
       </p:sp>
     </p:spTree>
+    <p:extLst>
+      <p:ext uri="{BB962C8B-B14F-4D97-AF65-F5344CB8AC3E}">
+        <p14:creationId xmlns:p14="http://schemas.microsoft.com/office/powerpoint/2010/main" val="1811064768"/>
+      </p:ext>
+    </p:extLst>
   </p:cSld>
   <p:clrMapOvr>
     <a:masterClrMapping/>
@@ -3740,8 +3450,8 @@
         </p:nvSpPr>
         <p:spPr>
           <a:xfrm>
-            <a:off x="571472" y="285728"/>
-            <a:ext cx="7772400" cy="6072230"/>
+            <a:off x="0" y="285728"/>
+            <a:ext cx="9144000" cy="6072230"/>
           </a:xfrm>
         </p:spPr>
         <p:txBody>
@@ -3751,259 +3461,135 @@
           <a:lstStyle/>
           <a:p>
             <a:r>
-              <a:rPr lang="en-GB" dirty="0" smtClean="0"/>
-              <a:t>3) </a:t>
-            </a:r>
-            <a:r>
-              <a:rPr lang="en-GB" dirty="0" err="1"/>
-              <a:t>Indro</a:t>
-            </a:r>
-            <a:r>
-              <a:rPr lang="en-GB" dirty="0"/>
+              <a:rPr lang="en-GB" sz="7200" dirty="0"/>
+              <a:t>2) </a:t>
+            </a:r>
+            <a:r>
+              <a:rPr lang="en-GB" sz="7200" dirty="0" err="1"/>
+              <a:t>Maro</a:t>
+            </a:r>
+            <a:r>
+              <a:rPr lang="en-GB" sz="7200" dirty="0"/>
               <a:t> </a:t>
             </a:r>
             <a:r>
-              <a:rPr lang="en-GB" dirty="0" err="1"/>
-              <a:t>fa</a:t>
-            </a:r>
-            <a:r>
-              <a:rPr lang="en-GB" dirty="0"/>
+              <a:rPr lang="en-GB" sz="7200" dirty="0" err="1"/>
+              <a:t>ny</a:t>
+            </a:r>
+            <a:r>
+              <a:rPr lang="en-GB" sz="7200" dirty="0"/>
               <a:t> </a:t>
             </a:r>
             <a:r>
-              <a:rPr lang="en-GB" dirty="0" err="1"/>
-              <a:t>mihariva</a:t>
-            </a:r>
-            <a:r>
-              <a:rPr lang="en-GB" dirty="0"/>
+              <a:rPr lang="en-GB" sz="7200" dirty="0" err="1"/>
+              <a:t>andro</a:t>
+            </a:r>
+            <a:r>
+              <a:rPr lang="en-GB" sz="7200" dirty="0"/>
+              <a:t> </a:t>
+            </a:r>
+            <a:r>
+              <a:rPr lang="en-GB" sz="7200" dirty="0" err="1"/>
+              <a:t>lasa</a:t>
+            </a:r>
+            <a:br>
+              <a:rPr lang="fr-FR" sz="7200" dirty="0"/>
+            </a:br>
+            <a:r>
+              <a:rPr lang="en-GB" sz="7200" dirty="0"/>
+              <a:t>      </a:t>
+            </a:r>
+            <a:r>
+              <a:rPr lang="en-GB" sz="7200" i="1" dirty="0" err="1"/>
+              <a:t>I</a:t>
+            </a:r>
+            <a:r>
+              <a:rPr lang="en-GB" sz="7200" dirty="0" err="1"/>
+              <a:t>zay</a:t>
+            </a:r>
+            <a:r>
+              <a:rPr lang="en-GB" sz="7200" dirty="0"/>
+              <a:t> </a:t>
+            </a:r>
+            <a:r>
+              <a:rPr lang="en-GB" sz="7200" dirty="0" err="1"/>
+              <a:t>tsy</a:t>
+            </a:r>
+            <a:r>
+              <a:rPr lang="en-GB" sz="7200" dirty="0"/>
+              <a:t> </a:t>
+            </a:r>
+            <a:r>
+              <a:rPr lang="en-GB" sz="7200" dirty="0" err="1"/>
+              <a:t>nanaovanao</a:t>
+            </a:r>
+            <a:r>
+              <a:rPr lang="en-GB" sz="7200" dirty="0"/>
               <a:t>,</a:t>
             </a:r>
-            <a:r>
-              <a:rPr lang="fr-FR" dirty="0"/>
-              <a:t/>
-            </a:r>
             <a:br>
-              <a:rPr lang="fr-FR" dirty="0"/>
+              <a:rPr lang="fr-FR" sz="7200" dirty="0"/>
             </a:br>
             <a:r>
-              <a:rPr lang="en-GB" dirty="0"/>
+              <a:rPr lang="en-GB" sz="7200" dirty="0"/>
+              <a:t>   Ka </a:t>
+            </a:r>
+            <a:r>
+              <a:rPr lang="en-GB" sz="7200" dirty="0" err="1"/>
+              <a:t>mbola</a:t>
+            </a:r>
+            <a:r>
+              <a:rPr lang="en-GB" sz="7200" dirty="0"/>
+              <a:t> be </a:t>
+            </a:r>
+            <a:r>
+              <a:rPr lang="en-GB" sz="7200" dirty="0" err="1"/>
+              <a:t>ny</a:t>
+            </a:r>
+            <a:r>
+              <a:rPr lang="en-GB" sz="7200" dirty="0"/>
+              <a:t> </a:t>
+            </a:r>
+            <a:r>
+              <a:rPr lang="en-GB" sz="7200" dirty="0" err="1"/>
+              <a:t>asa</a:t>
+            </a:r>
+            <a:br>
+              <a:rPr lang="fr-FR" sz="7200" dirty="0"/>
+            </a:br>
+            <a:r>
+              <a:rPr lang="en-GB" sz="7200" dirty="0"/>
               <a:t>      </a:t>
             </a:r>
             <a:r>
-              <a:rPr lang="en-GB" dirty="0" err="1"/>
-              <a:t>Fohy</a:t>
-            </a:r>
-            <a:r>
-              <a:rPr lang="en-GB" dirty="0"/>
+              <a:rPr lang="en-GB" sz="7200" i="1" dirty="0" err="1"/>
+              <a:t>I</a:t>
+            </a:r>
+            <a:r>
+              <a:rPr lang="en-GB" sz="7200" dirty="0" err="1"/>
+              <a:t>zay</a:t>
+            </a:r>
+            <a:r>
+              <a:rPr lang="en-GB" sz="7200" dirty="0"/>
               <a:t> </a:t>
             </a:r>
             <a:r>
-              <a:rPr lang="en-GB" dirty="0" err="1"/>
-              <a:t>ny</a:t>
-            </a:r>
-            <a:r>
-              <a:rPr lang="en-GB" dirty="0"/>
+              <a:rPr lang="en-GB" sz="7200" dirty="0" err="1"/>
+              <a:t>tsy</a:t>
+            </a:r>
+            <a:r>
+              <a:rPr lang="en-GB" sz="7200" dirty="0"/>
               <a:t> </a:t>
             </a:r>
             <a:r>
-              <a:rPr lang="en-GB" dirty="0" err="1"/>
-              <a:t>andronao</a:t>
-            </a:r>
-            <a:r>
-              <a:rPr lang="en-GB" dirty="0"/>
-              <a:t> ;</a:t>
-            </a:r>
-            <a:r>
-              <a:rPr lang="fr-FR" dirty="0"/>
-              <a:t/>
-            </a:r>
-            <a:br>
-              <a:rPr lang="fr-FR" dirty="0"/>
-            </a:br>
-            <a:r>
-              <a:rPr lang="en-GB" dirty="0"/>
-              <a:t>   Moa </a:t>
-            </a:r>
-            <a:r>
-              <a:rPr lang="en-GB" dirty="0" err="1"/>
-              <a:t>tsy</a:t>
-            </a:r>
-            <a:r>
-              <a:rPr lang="en-GB" dirty="0"/>
-              <a:t> </a:t>
-            </a:r>
-            <a:r>
-              <a:rPr lang="en-GB" dirty="0" err="1"/>
-              <a:t>mba</a:t>
-            </a:r>
-            <a:r>
-              <a:rPr lang="en-GB" dirty="0"/>
-              <a:t> </a:t>
-            </a:r>
-            <a:r>
-              <a:rPr lang="en-GB" dirty="0" err="1"/>
-              <a:t>fantatrao</a:t>
-            </a:r>
-            <a:r>
-              <a:rPr lang="en-GB" dirty="0"/>
-              <a:t> </a:t>
-            </a:r>
-            <a:r>
-              <a:rPr lang="en-GB" dirty="0" err="1"/>
-              <a:t>va</a:t>
-            </a:r>
-            <a:r>
-              <a:rPr lang="fr-FR" dirty="0"/>
-              <a:t/>
-            </a:r>
-            <a:br>
-              <a:rPr lang="fr-FR" dirty="0"/>
-            </a:br>
-            <a:r>
-              <a:rPr lang="en-GB" dirty="0"/>
-              <a:t>      Ka </a:t>
-            </a:r>
-            <a:r>
-              <a:rPr lang="en-GB" dirty="0" err="1"/>
-              <a:t>tsy</a:t>
-            </a:r>
-            <a:r>
-              <a:rPr lang="en-GB" dirty="0"/>
-              <a:t> </a:t>
-            </a:r>
-            <a:r>
-              <a:rPr lang="en-GB" dirty="0" err="1"/>
-              <a:t>hitanao</a:t>
-            </a:r>
-            <a:r>
-              <a:rPr lang="en-GB" dirty="0"/>
-              <a:t> ?</a:t>
-            </a:r>
-            <a:r>
-              <a:rPr lang="fr-FR" dirty="0"/>
-              <a:t/>
-            </a:r>
-            <a:br>
-              <a:rPr lang="fr-FR" dirty="0"/>
-            </a:br>
-            <a:r>
-              <a:rPr lang="en-GB" dirty="0"/>
-              <a:t>   </a:t>
-            </a:r>
-            <a:r>
-              <a:rPr lang="en-GB" dirty="0" err="1"/>
-              <a:t>Eny</a:t>
-            </a:r>
-            <a:r>
-              <a:rPr lang="en-GB" dirty="0"/>
-              <a:t>, </a:t>
-            </a:r>
-            <a:r>
-              <a:rPr lang="en-GB" dirty="0" err="1"/>
-              <a:t>fa</a:t>
-            </a:r>
-            <a:r>
-              <a:rPr lang="en-GB" dirty="0"/>
-              <a:t> </a:t>
-            </a:r>
-            <a:r>
-              <a:rPr lang="en-GB" dirty="0" err="1"/>
-              <a:t>manakaiky</a:t>
-            </a:r>
-            <a:r>
-              <a:rPr lang="fr-FR" dirty="0"/>
-              <a:t/>
-            </a:r>
-            <a:br>
-              <a:rPr lang="fr-FR" dirty="0"/>
-            </a:br>
-            <a:r>
-              <a:rPr lang="en-GB" dirty="0"/>
-              <a:t>      </a:t>
-            </a:r>
-            <a:r>
-              <a:rPr lang="en-GB" dirty="0" err="1"/>
-              <a:t>Jeso</a:t>
-            </a:r>
-            <a:r>
-              <a:rPr lang="en-GB" dirty="0"/>
-              <a:t> </a:t>
-            </a:r>
-            <a:r>
-              <a:rPr lang="en-GB" dirty="0" err="1"/>
-              <a:t>Mpitsara</a:t>
-            </a:r>
-            <a:r>
-              <a:rPr lang="en-GB" dirty="0"/>
-              <a:t> re,</a:t>
-            </a:r>
-            <a:r>
-              <a:rPr lang="fr-FR" dirty="0"/>
-              <a:t/>
-            </a:r>
-            <a:br>
-              <a:rPr lang="fr-FR" dirty="0"/>
-            </a:br>
-            <a:r>
-              <a:rPr lang="en-GB" dirty="0"/>
-              <a:t>   </a:t>
-            </a:r>
-            <a:r>
-              <a:rPr lang="en-GB" dirty="0" err="1"/>
-              <a:t>Ary</a:t>
-            </a:r>
-            <a:r>
-              <a:rPr lang="en-GB" dirty="0"/>
-              <a:t> </a:t>
-            </a:r>
-            <a:r>
-              <a:rPr lang="en-GB" dirty="0" err="1"/>
-              <a:t>efa</a:t>
-            </a:r>
-            <a:r>
-              <a:rPr lang="en-GB" dirty="0"/>
-              <a:t> ‘</a:t>
-            </a:r>
-            <a:r>
-              <a:rPr lang="en-GB" dirty="0" err="1"/>
-              <a:t>mby</a:t>
-            </a:r>
-            <a:r>
-              <a:rPr lang="en-GB" dirty="0"/>
-              <a:t> </a:t>
-            </a:r>
-            <a:r>
-              <a:rPr lang="en-GB" dirty="0" err="1"/>
-              <a:t>akaiky</a:t>
-            </a:r>
-            <a:r>
-              <a:rPr lang="fr-FR" dirty="0"/>
-              <a:t/>
-            </a:r>
-            <a:br>
-              <a:rPr lang="fr-FR" dirty="0"/>
-            </a:br>
-            <a:r>
-              <a:rPr lang="en-GB" dirty="0"/>
-              <a:t>      </a:t>
-            </a:r>
-            <a:r>
-              <a:rPr lang="en-GB" dirty="0" err="1"/>
-              <a:t>Ny</a:t>
-            </a:r>
-            <a:r>
-              <a:rPr lang="en-GB" dirty="0"/>
-              <a:t> </a:t>
-            </a:r>
-            <a:r>
-              <a:rPr lang="en-GB" dirty="0" err="1"/>
-              <a:t>hodianao</a:t>
-            </a:r>
-            <a:r>
-              <a:rPr lang="en-GB" dirty="0"/>
-              <a:t>.</a:t>
-            </a:r>
-            <a:endParaRPr lang="fr-FR" dirty="0"/>
+              <a:rPr lang="en-GB" sz="7200" dirty="0" err="1"/>
+              <a:t>vitanao</a:t>
+            </a:r>
+            <a:r>
+              <a:rPr lang="en-GB" sz="7200" dirty="0"/>
+              <a:t>,</a:t>
+            </a:r>
+            <a:endParaRPr lang="fr-FR" sz="7200" dirty="0"/>
           </a:p>
         </p:txBody>
       </p:sp>
@@ -4034,18 +3620,166 @@
       </p:grpSpPr>
       <p:sp>
         <p:nvSpPr>
-          <p:cNvPr id="2" name="Titre 1"/>
-          <p:cNvSpPr>
-            <a:spLocks noGrp="1"/>
-          </p:cNvSpPr>
-          <p:nvPr>
-            <p:ph type="ctrTitle"/>
-          </p:nvPr>
+          <p:cNvPr id="5" name="ZoneTexte 4">
+            <a:extLst>
+              <a:ext uri="{FF2B5EF4-FFF2-40B4-BE49-F238E27FC236}">
+                <a16:creationId xmlns:a16="http://schemas.microsoft.com/office/drawing/2014/main" id="{BBCF8949-4122-585D-C2F0-CB66BA21D4CA}"/>
+              </a:ext>
+            </a:extLst>
+          </p:cNvPr>
+          <p:cNvSpPr txBox="1"/>
+          <p:nvPr/>
         </p:nvSpPr>
         <p:spPr>
           <a:xfrm>
-            <a:off x="571472" y="285728"/>
-            <a:ext cx="7772400" cy="6072230"/>
+            <a:off x="0" y="764704"/>
+            <a:ext cx="9144000" cy="5016758"/>
+          </a:xfrm>
+          <a:prstGeom prst="rect">
+            <a:avLst/>
+          </a:prstGeom>
+          <a:noFill/>
+        </p:spPr>
+        <p:txBody>
+          <a:bodyPr wrap="square">
+            <a:spAutoFit/>
+          </a:bodyPr>
+          <a:lstStyle/>
+          <a:p>
+            <a:pPr algn="ctr"/>
+            <a:r>
+              <a:rPr lang="en-GB" sz="8000" dirty="0"/>
+              <a:t> Koa </a:t>
+            </a:r>
+            <a:r>
+              <a:rPr lang="en-GB" sz="8000" dirty="0" err="1"/>
+              <a:t>dia</a:t>
+            </a:r>
+            <a:r>
+              <a:rPr lang="en-GB" sz="8000" dirty="0"/>
+              <a:t> </a:t>
+            </a:r>
+            <a:r>
+              <a:rPr lang="en-GB" sz="8000" dirty="0" err="1"/>
+              <a:t>mitsangàna</a:t>
+            </a:r>
+            <a:r>
+              <a:rPr lang="en-GB" sz="8000" dirty="0"/>
+              <a:t>,</a:t>
+            </a:r>
+            <a:br>
+              <a:rPr lang="fr-FR" sz="8000" dirty="0"/>
+            </a:br>
+            <a:r>
+              <a:rPr lang="en-GB" sz="8000" dirty="0"/>
+              <a:t>      </a:t>
+            </a:r>
+            <a:r>
+              <a:rPr lang="en-GB" sz="8000" dirty="0" err="1"/>
+              <a:t>Hanao</a:t>
+            </a:r>
+            <a:r>
+              <a:rPr lang="en-GB" sz="8000" dirty="0"/>
+              <a:t> </a:t>
+            </a:r>
+            <a:r>
+              <a:rPr lang="en-GB" sz="8000" dirty="0" err="1"/>
+              <a:t>tokoa</a:t>
+            </a:r>
+            <a:r>
+              <a:rPr lang="en-GB" sz="8000" dirty="0"/>
+              <a:t> </a:t>
+            </a:r>
+            <a:r>
+              <a:rPr lang="en-GB" sz="8000" dirty="0" err="1"/>
+              <a:t>izao</a:t>
+            </a:r>
+            <a:r>
+              <a:rPr lang="en-GB" sz="8000" dirty="0"/>
+              <a:t>,</a:t>
+            </a:r>
+            <a:br>
+              <a:rPr lang="fr-FR" sz="8000" dirty="0"/>
+            </a:br>
+            <a:r>
+              <a:rPr lang="en-GB" sz="8000" dirty="0"/>
+              <a:t>   </a:t>
+            </a:r>
+            <a:r>
+              <a:rPr lang="en-GB" sz="8000" dirty="0" err="1"/>
+              <a:t>Hahavitanao</a:t>
+            </a:r>
+            <a:r>
+              <a:rPr lang="en-GB" sz="8000" dirty="0"/>
+              <a:t> </a:t>
+            </a:r>
+            <a:r>
+              <a:rPr lang="en-GB" sz="8000" dirty="0" err="1"/>
+              <a:t>tsara</a:t>
+            </a:r>
+            <a:br>
+              <a:rPr lang="fr-FR" sz="8000" dirty="0"/>
+            </a:br>
+            <a:r>
+              <a:rPr lang="en-GB" sz="8000" dirty="0"/>
+              <a:t>      Ny </a:t>
+            </a:r>
+            <a:r>
+              <a:rPr lang="en-GB" sz="8000" dirty="0" err="1"/>
+              <a:t>anjaranao</a:t>
+            </a:r>
+            <a:r>
+              <a:rPr lang="en-GB" sz="8000" dirty="0"/>
+              <a:t>.</a:t>
+            </a:r>
+            <a:endParaRPr lang="fr-FR" sz="8000" dirty="0"/>
+          </a:p>
+        </p:txBody>
+      </p:sp>
+    </p:spTree>
+    <p:extLst>
+      <p:ext uri="{BB962C8B-B14F-4D97-AF65-F5344CB8AC3E}">
+        <p14:creationId xmlns:p14="http://schemas.microsoft.com/office/powerpoint/2010/main" val="3713208725"/>
+      </p:ext>
+    </p:extLst>
+  </p:cSld>
+  <p:clrMapOvr>
+    <a:masterClrMapping/>
+  </p:clrMapOvr>
+</p:sld>
+</file>
+
+<file path=ppt/slides/slide6.xml><?xml version="1.0" encoding="utf-8"?>
+<p:sld xmlns:a="http://schemas.openxmlformats.org/drawingml/2006/main" xmlns:r="http://schemas.openxmlformats.org/officeDocument/2006/relationships" xmlns:p="http://schemas.openxmlformats.org/presentationml/2006/main">
+  <p:cSld>
+    <p:spTree>
+      <p:nvGrpSpPr>
+        <p:cNvPr id="1" name=""/>
+        <p:cNvGrpSpPr/>
+        <p:nvPr/>
+      </p:nvGrpSpPr>
+      <p:grpSpPr>
+        <a:xfrm>
+          <a:off x="0" y="0"/>
+          <a:ext cx="0" cy="0"/>
+          <a:chOff x="0" y="0"/>
+          <a:chExt cx="0" cy="0"/>
+        </a:xfrm>
+      </p:grpSpPr>
+      <p:sp>
+        <p:nvSpPr>
+          <p:cNvPr id="2" name="Titre 1"/>
+          <p:cNvSpPr>
+            <a:spLocks noGrp="1"/>
+          </p:cNvSpPr>
+          <p:nvPr>
+            <p:ph type="ctrTitle"/>
+          </p:nvPr>
+        </p:nvSpPr>
+        <p:spPr>
+          <a:xfrm>
+            <a:off x="0" y="285728"/>
+            <a:ext cx="9144000" cy="6072230"/>
           </a:xfrm>
         </p:spPr>
         <p:txBody>
@@ -4055,215 +3789,543 @@
           <a:lstStyle/>
           <a:p>
             <a:r>
-              <a:rPr lang="en-GB" dirty="0" smtClean="0"/>
+              <a:rPr lang="en-GB" sz="7200" dirty="0"/>
+              <a:t>3) </a:t>
+            </a:r>
+            <a:r>
+              <a:rPr lang="en-GB" sz="7200" dirty="0" err="1"/>
+              <a:t>Indro</a:t>
+            </a:r>
+            <a:r>
+              <a:rPr lang="en-GB" sz="7200" dirty="0"/>
+              <a:t> </a:t>
+            </a:r>
+            <a:r>
+              <a:rPr lang="en-GB" sz="7200" dirty="0" err="1"/>
+              <a:t>fa</a:t>
+            </a:r>
+            <a:r>
+              <a:rPr lang="en-GB" sz="7200" dirty="0"/>
+              <a:t> </a:t>
+            </a:r>
+            <a:r>
+              <a:rPr lang="en-GB" sz="7200" dirty="0" err="1"/>
+              <a:t>mihariva</a:t>
+            </a:r>
+            <a:r>
+              <a:rPr lang="en-GB" sz="7200" dirty="0"/>
+              <a:t>,</a:t>
+            </a:r>
+            <a:br>
+              <a:rPr lang="fr-FR" sz="7200" dirty="0"/>
+            </a:br>
+            <a:r>
+              <a:rPr lang="en-GB" sz="7200" dirty="0"/>
+              <a:t>      </a:t>
+            </a:r>
+            <a:r>
+              <a:rPr lang="en-GB" sz="7200" dirty="0" err="1"/>
+              <a:t>Fohy</a:t>
+            </a:r>
+            <a:r>
+              <a:rPr lang="en-GB" sz="7200" dirty="0"/>
+              <a:t> </a:t>
+            </a:r>
+            <a:r>
+              <a:rPr lang="en-GB" sz="7200" dirty="0" err="1"/>
+              <a:t>ny</a:t>
+            </a:r>
+            <a:r>
+              <a:rPr lang="en-GB" sz="7200" dirty="0"/>
+              <a:t> </a:t>
+            </a:r>
+            <a:r>
+              <a:rPr lang="en-GB" sz="7200" dirty="0" err="1"/>
+              <a:t>andronao</a:t>
+            </a:r>
+            <a:r>
+              <a:rPr lang="en-GB" sz="7200" dirty="0"/>
+              <a:t> ;</a:t>
+            </a:r>
+            <a:br>
+              <a:rPr lang="fr-FR" sz="7200" dirty="0"/>
+            </a:br>
+            <a:r>
+              <a:rPr lang="en-GB" sz="7200" dirty="0"/>
+              <a:t>Moa </a:t>
+            </a:r>
+            <a:r>
+              <a:rPr lang="en-GB" sz="7200" dirty="0" err="1"/>
+              <a:t>tsy</a:t>
+            </a:r>
+            <a:r>
+              <a:rPr lang="en-GB" sz="7200" dirty="0"/>
+              <a:t> </a:t>
+            </a:r>
+            <a:r>
+              <a:rPr lang="en-GB" sz="7200" dirty="0" err="1"/>
+              <a:t>mba</a:t>
+            </a:r>
+            <a:r>
+              <a:rPr lang="en-GB" sz="7200" dirty="0"/>
+              <a:t> </a:t>
+            </a:r>
+            <a:r>
+              <a:rPr lang="en-GB" sz="7200" dirty="0" err="1"/>
+              <a:t>fantatrao</a:t>
+            </a:r>
+            <a:r>
+              <a:rPr lang="en-GB" sz="7200" dirty="0"/>
+              <a:t> </a:t>
+            </a:r>
+            <a:r>
+              <a:rPr lang="en-GB" sz="7200" dirty="0" err="1"/>
+              <a:t>va</a:t>
+            </a:r>
+            <a:br>
+              <a:rPr lang="fr-FR" sz="7200" dirty="0"/>
+            </a:br>
+            <a:r>
+              <a:rPr lang="en-GB" sz="7200" dirty="0"/>
+              <a:t>Ka </a:t>
+            </a:r>
+            <a:r>
+              <a:rPr lang="en-GB" sz="7200" dirty="0" err="1"/>
+              <a:t>tsy</a:t>
+            </a:r>
+            <a:r>
+              <a:rPr lang="en-GB" sz="7200" dirty="0"/>
+              <a:t> </a:t>
+            </a:r>
+            <a:r>
+              <a:rPr lang="en-GB" sz="7200" dirty="0" err="1"/>
+              <a:t>hitanao</a:t>
+            </a:r>
+            <a:r>
+              <a:rPr lang="en-GB" sz="7200" dirty="0"/>
+              <a:t> ?</a:t>
+            </a:r>
+            <a:endParaRPr lang="fr-FR" sz="7200" dirty="0"/>
+          </a:p>
+        </p:txBody>
+      </p:sp>
+    </p:spTree>
+  </p:cSld>
+  <p:clrMapOvr>
+    <a:masterClrMapping/>
+  </p:clrMapOvr>
+</p:sld>
+</file>
+
+<file path=ppt/slides/slide7.xml><?xml version="1.0" encoding="utf-8"?>
+<p:sld xmlns:a="http://schemas.openxmlformats.org/drawingml/2006/main" xmlns:r="http://schemas.openxmlformats.org/officeDocument/2006/relationships" xmlns:p="http://schemas.openxmlformats.org/presentationml/2006/main">
+  <p:cSld>
+    <p:spTree>
+      <p:nvGrpSpPr>
+        <p:cNvPr id="1" name=""/>
+        <p:cNvGrpSpPr/>
+        <p:nvPr/>
+      </p:nvGrpSpPr>
+      <p:grpSpPr>
+        <a:xfrm>
+          <a:off x="0" y="0"/>
+          <a:ext cx="0" cy="0"/>
+          <a:chOff x="0" y="0"/>
+          <a:chExt cx="0" cy="0"/>
+        </a:xfrm>
+      </p:grpSpPr>
+      <p:sp>
+        <p:nvSpPr>
+          <p:cNvPr id="5" name="ZoneTexte 4">
+            <a:extLst>
+              <a:ext uri="{FF2B5EF4-FFF2-40B4-BE49-F238E27FC236}">
+                <a16:creationId xmlns:a16="http://schemas.microsoft.com/office/drawing/2014/main" id="{74E218AA-0E2C-7EF3-72FF-BB52A662AAF7}"/>
+              </a:ext>
+            </a:extLst>
+          </p:cNvPr>
+          <p:cNvSpPr txBox="1"/>
+          <p:nvPr/>
+        </p:nvSpPr>
+        <p:spPr>
+          <a:xfrm>
+            <a:off x="-684584" y="644490"/>
+            <a:ext cx="9828584" cy="5016758"/>
+          </a:xfrm>
+          <a:prstGeom prst="rect">
+            <a:avLst/>
+          </a:prstGeom>
+          <a:noFill/>
+        </p:spPr>
+        <p:txBody>
+          <a:bodyPr wrap="square">
+            <a:spAutoFit/>
+          </a:bodyPr>
+          <a:lstStyle/>
+          <a:p>
+            <a:pPr algn="ctr"/>
+            <a:r>
+              <a:rPr lang="en-GB" sz="8000" dirty="0"/>
+              <a:t> </a:t>
+            </a:r>
+            <a:r>
+              <a:rPr lang="en-GB" sz="8000" dirty="0" err="1"/>
+              <a:t>Eny</a:t>
+            </a:r>
+            <a:r>
+              <a:rPr lang="en-GB" sz="8000" dirty="0"/>
+              <a:t>, fa </a:t>
+            </a:r>
+            <a:r>
+              <a:rPr lang="en-GB" sz="8000" dirty="0" err="1"/>
+              <a:t>manakaiky</a:t>
+            </a:r>
+            <a:br>
+              <a:rPr lang="fr-FR" sz="8000" dirty="0"/>
+            </a:br>
+            <a:r>
+              <a:rPr lang="en-GB" sz="8000" dirty="0"/>
+              <a:t>      </a:t>
+            </a:r>
+            <a:r>
+              <a:rPr lang="en-GB" sz="8000" dirty="0" err="1"/>
+              <a:t>Jeso</a:t>
+            </a:r>
+            <a:r>
+              <a:rPr lang="en-GB" sz="8000" dirty="0"/>
+              <a:t> </a:t>
+            </a:r>
+            <a:r>
+              <a:rPr lang="en-GB" sz="8000" dirty="0" err="1"/>
+              <a:t>Mpitsara</a:t>
+            </a:r>
+            <a:r>
+              <a:rPr lang="en-GB" sz="8000" dirty="0"/>
+              <a:t> re,</a:t>
+            </a:r>
+            <a:br>
+              <a:rPr lang="fr-FR" sz="8000" dirty="0"/>
+            </a:br>
+            <a:r>
+              <a:rPr lang="en-GB" sz="8000" dirty="0"/>
+              <a:t>   </a:t>
+            </a:r>
+            <a:r>
+              <a:rPr lang="en-GB" sz="8000" dirty="0" err="1"/>
+              <a:t>Ary</a:t>
+            </a:r>
+            <a:r>
+              <a:rPr lang="en-GB" sz="8000" dirty="0"/>
+              <a:t> </a:t>
+            </a:r>
+            <a:r>
+              <a:rPr lang="en-GB" sz="8000" dirty="0" err="1"/>
+              <a:t>efa</a:t>
+            </a:r>
+            <a:r>
+              <a:rPr lang="en-GB" sz="8000" dirty="0"/>
+              <a:t> ‘</a:t>
+            </a:r>
+            <a:r>
+              <a:rPr lang="en-GB" sz="8000" dirty="0" err="1"/>
+              <a:t>mby</a:t>
+            </a:r>
+            <a:r>
+              <a:rPr lang="en-GB" sz="8000" dirty="0"/>
+              <a:t> </a:t>
+            </a:r>
+            <a:r>
+              <a:rPr lang="en-GB" sz="8000" dirty="0" err="1"/>
+              <a:t>akaiky</a:t>
+            </a:r>
+            <a:br>
+              <a:rPr lang="fr-FR" sz="8000" dirty="0"/>
+            </a:br>
+            <a:r>
+              <a:rPr lang="en-GB" sz="8000" dirty="0"/>
+              <a:t>      Ny </a:t>
+            </a:r>
+            <a:r>
+              <a:rPr lang="en-GB" sz="8000" dirty="0" err="1"/>
+              <a:t>hodianao</a:t>
+            </a:r>
+            <a:r>
+              <a:rPr lang="en-GB" sz="8000" dirty="0"/>
+              <a:t>.</a:t>
+            </a:r>
+            <a:endParaRPr lang="fr-FR" sz="8000" dirty="0"/>
+          </a:p>
+        </p:txBody>
+      </p:sp>
+    </p:spTree>
+    <p:extLst>
+      <p:ext uri="{BB962C8B-B14F-4D97-AF65-F5344CB8AC3E}">
+        <p14:creationId xmlns:p14="http://schemas.microsoft.com/office/powerpoint/2010/main" val="2122132537"/>
+      </p:ext>
+    </p:extLst>
+  </p:cSld>
+  <p:clrMapOvr>
+    <a:masterClrMapping/>
+  </p:clrMapOvr>
+</p:sld>
+</file>
+
+<file path=ppt/slides/slide8.xml><?xml version="1.0" encoding="utf-8"?>
+<p:sld xmlns:a="http://schemas.openxmlformats.org/drawingml/2006/main" xmlns:r="http://schemas.openxmlformats.org/officeDocument/2006/relationships" xmlns:p="http://schemas.openxmlformats.org/presentationml/2006/main">
+  <p:cSld>
+    <p:spTree>
+      <p:nvGrpSpPr>
+        <p:cNvPr id="1" name=""/>
+        <p:cNvGrpSpPr/>
+        <p:nvPr/>
+      </p:nvGrpSpPr>
+      <p:grpSpPr>
+        <a:xfrm>
+          <a:off x="0" y="0"/>
+          <a:ext cx="0" cy="0"/>
+          <a:chOff x="0" y="0"/>
+          <a:chExt cx="0" cy="0"/>
+        </a:xfrm>
+      </p:grpSpPr>
+      <p:sp>
+        <p:nvSpPr>
+          <p:cNvPr id="2" name="Titre 1"/>
+          <p:cNvSpPr>
+            <a:spLocks noGrp="1"/>
+          </p:cNvSpPr>
+          <p:nvPr>
+            <p:ph type="ctrTitle"/>
+          </p:nvPr>
+        </p:nvSpPr>
+        <p:spPr>
+          <a:xfrm>
+            <a:off x="-180528" y="260648"/>
+            <a:ext cx="9324528" cy="6072230"/>
+          </a:xfrm>
+        </p:spPr>
+        <p:txBody>
+          <a:bodyPr>
+            <a:normAutofit fontScale="90000"/>
+          </a:bodyPr>
+          <a:lstStyle/>
+          <a:p>
+            <a:r>
+              <a:rPr lang="en-GB" sz="8000" dirty="0"/>
               <a:t>4) </a:t>
             </a:r>
             <a:r>
-              <a:rPr lang="en-GB" dirty="0" err="1"/>
+              <a:rPr lang="en-GB" sz="8000" dirty="0" err="1"/>
               <a:t>Rehefa</a:t>
             </a:r>
             <a:r>
-              <a:rPr lang="en-GB" dirty="0"/>
+              <a:rPr lang="en-GB" sz="8000" dirty="0"/>
               <a:t> </a:t>
             </a:r>
             <a:r>
-              <a:rPr lang="en-GB" dirty="0" err="1"/>
+              <a:rPr lang="en-GB" sz="8000" dirty="0" err="1"/>
               <a:t>tonga</a:t>
             </a:r>
             <a:r>
-              <a:rPr lang="en-GB" dirty="0"/>
+              <a:rPr lang="en-GB" sz="8000" dirty="0"/>
               <a:t> </a:t>
             </a:r>
             <a:r>
-              <a:rPr lang="en-GB" dirty="0" err="1"/>
+              <a:rPr lang="en-GB" sz="8000" dirty="0" err="1"/>
               <a:t>Jeso</a:t>
             </a:r>
             <a:r>
-              <a:rPr lang="en-GB" dirty="0"/>
+              <a:rPr lang="en-GB" sz="8000" dirty="0"/>
               <a:t>,</a:t>
             </a:r>
-            <a:r>
-              <a:rPr lang="fr-FR" dirty="0"/>
-              <a:t/>
-            </a:r>
             <a:br>
-              <a:rPr lang="fr-FR" dirty="0"/>
+              <a:rPr lang="fr-FR" sz="8000" dirty="0"/>
             </a:br>
             <a:r>
-              <a:rPr lang="en-GB" dirty="0"/>
+              <a:rPr lang="en-GB" sz="8000" dirty="0"/>
               <a:t>      </a:t>
             </a:r>
             <a:r>
-              <a:rPr lang="en-GB" dirty="0" err="1"/>
+              <a:rPr lang="en-GB" sz="8000" dirty="0" err="1"/>
               <a:t>Tompon’ny</a:t>
             </a:r>
             <a:r>
-              <a:rPr lang="en-GB" dirty="0"/>
+              <a:rPr lang="en-GB" sz="8000" dirty="0"/>
               <a:t> </a:t>
             </a:r>
             <a:r>
-              <a:rPr lang="en-GB" dirty="0" err="1"/>
+              <a:rPr lang="en-GB" sz="8000" dirty="0" err="1"/>
               <a:t>asanao</a:t>
             </a:r>
             <a:r>
-              <a:rPr lang="en-GB" dirty="0"/>
+              <a:rPr lang="en-GB" sz="8000" dirty="0"/>
               <a:t>,</a:t>
             </a:r>
-            <a:r>
-              <a:rPr lang="fr-FR" dirty="0"/>
-              <a:t/>
-            </a:r>
             <a:br>
-              <a:rPr lang="fr-FR" dirty="0"/>
+              <a:rPr lang="fr-FR" sz="8000" dirty="0"/>
             </a:br>
             <a:r>
-              <a:rPr lang="en-GB" dirty="0"/>
+              <a:rPr lang="en-GB" sz="8000" dirty="0"/>
               <a:t>   </a:t>
             </a:r>
             <a:r>
-              <a:rPr lang="en-GB" dirty="0" err="1"/>
+              <a:rPr lang="en-GB" sz="8000" dirty="0" err="1"/>
               <a:t>Ary</a:t>
             </a:r>
             <a:r>
-              <a:rPr lang="en-GB" dirty="0"/>
+              <a:rPr lang="en-GB" sz="8000" dirty="0"/>
               <a:t> </a:t>
             </a:r>
             <a:r>
-              <a:rPr lang="en-GB" dirty="0" err="1"/>
+              <a:rPr lang="en-GB" sz="8000" dirty="0" err="1"/>
               <a:t>hamaly</a:t>
             </a:r>
             <a:r>
-              <a:rPr lang="en-GB" dirty="0"/>
+              <a:rPr lang="en-GB" sz="8000" dirty="0"/>
               <a:t> </a:t>
             </a:r>
             <a:r>
-              <a:rPr lang="en-GB" dirty="0" err="1"/>
+              <a:rPr lang="en-GB" sz="8000" dirty="0" err="1"/>
               <a:t>soa</a:t>
             </a:r>
-            <a:r>
-              <a:rPr lang="fr-FR" dirty="0"/>
-              <a:t/>
-            </a:r>
             <a:br>
-              <a:rPr lang="fr-FR" dirty="0"/>
+              <a:rPr lang="fr-FR" sz="8000" dirty="0"/>
             </a:br>
             <a:r>
-              <a:rPr lang="en-GB" dirty="0"/>
-              <a:t>      </a:t>
-            </a:r>
-            <a:r>
-              <a:rPr lang="en-GB" dirty="0" err="1"/>
-              <a:t>Ny</a:t>
-            </a:r>
-            <a:r>
-              <a:rPr lang="en-GB" dirty="0"/>
+              <a:rPr lang="en-GB" sz="8000" dirty="0"/>
+              <a:t>      Ny </a:t>
+            </a:r>
+            <a:r>
+              <a:rPr lang="en-GB" sz="8000" dirty="0" err="1"/>
+              <a:t>mpiasany</a:t>
+            </a:r>
+            <a:r>
+              <a:rPr lang="en-GB" sz="8000" dirty="0"/>
+              <a:t>.</a:t>
+            </a:r>
+            <a:endParaRPr lang="fr-FR" sz="8000" dirty="0"/>
+          </a:p>
+        </p:txBody>
+      </p:sp>
+    </p:spTree>
+  </p:cSld>
+  <p:clrMapOvr>
+    <a:masterClrMapping/>
+  </p:clrMapOvr>
+</p:sld>
+</file>
+
+<file path=ppt/slides/slide9.xml><?xml version="1.0" encoding="utf-8"?>
+<p:sld xmlns:a="http://schemas.openxmlformats.org/drawingml/2006/main" xmlns:r="http://schemas.openxmlformats.org/officeDocument/2006/relationships" xmlns:p="http://schemas.openxmlformats.org/presentationml/2006/main">
+  <p:cSld>
+    <p:spTree>
+      <p:nvGrpSpPr>
+        <p:cNvPr id="1" name=""/>
+        <p:cNvGrpSpPr/>
+        <p:nvPr/>
+      </p:nvGrpSpPr>
+      <p:grpSpPr>
+        <a:xfrm>
+          <a:off x="0" y="0"/>
+          <a:ext cx="0" cy="0"/>
+          <a:chOff x="0" y="0"/>
+          <a:chExt cx="0" cy="0"/>
+        </a:xfrm>
+      </p:grpSpPr>
+      <p:sp>
+        <p:nvSpPr>
+          <p:cNvPr id="5" name="ZoneTexte 4">
+            <a:extLst>
+              <a:ext uri="{FF2B5EF4-FFF2-40B4-BE49-F238E27FC236}">
+                <a16:creationId xmlns:a16="http://schemas.microsoft.com/office/drawing/2014/main" id="{03C42425-E778-61A0-1F11-DE267634E4B3}"/>
+              </a:ext>
+            </a:extLst>
+          </p:cNvPr>
+          <p:cNvSpPr txBox="1"/>
+          <p:nvPr/>
+        </p:nvSpPr>
+        <p:spPr>
+          <a:xfrm>
+            <a:off x="-684584" y="260648"/>
+            <a:ext cx="9828584" cy="6247864"/>
+          </a:xfrm>
+          <a:prstGeom prst="rect">
+            <a:avLst/>
+          </a:prstGeom>
+          <a:noFill/>
+        </p:spPr>
+        <p:txBody>
+          <a:bodyPr wrap="square">
+            <a:spAutoFit/>
+          </a:bodyPr>
+          <a:lstStyle/>
+          <a:p>
+            <a:pPr algn="ctr"/>
+            <a:r>
+              <a:rPr lang="en-GB" sz="8000" dirty="0"/>
               <a:t> </a:t>
             </a:r>
             <a:r>
-              <a:rPr lang="en-GB" dirty="0" err="1"/>
-              <a:t>mpiasany</a:t>
-            </a:r>
-            <a:r>
-              <a:rPr lang="en-GB" dirty="0"/>
-              <a:t>.</a:t>
-            </a:r>
-            <a:r>
-              <a:rPr lang="fr-FR" dirty="0"/>
-              <a:t/>
+              <a:rPr lang="en-GB" sz="8000" dirty="0" err="1"/>
+              <a:t>Mandrakizay</a:t>
+            </a:r>
+            <a:r>
+              <a:rPr lang="en-GB" sz="8000" dirty="0"/>
+              <a:t> doria</a:t>
             </a:r>
             <a:br>
-              <a:rPr lang="fr-FR" dirty="0"/>
+              <a:rPr lang="fr-FR" sz="8000" dirty="0"/>
             </a:br>
             <a:r>
-              <a:rPr lang="en-GB" dirty="0"/>
-              <a:t>   </a:t>
-            </a:r>
-            <a:r>
-              <a:rPr lang="en-GB" dirty="0" err="1"/>
-              <a:t>Mandrakizay</a:t>
-            </a:r>
-            <a:r>
-              <a:rPr lang="en-GB" dirty="0"/>
+              <a:rPr lang="en-GB" sz="8000" dirty="0"/>
+              <a:t>      No </a:t>
+            </a:r>
+            <a:r>
+              <a:rPr lang="en-GB" sz="8000" dirty="0" err="1"/>
+              <a:t>hifalianao</a:t>
+            </a:r>
+            <a:r>
+              <a:rPr lang="en-GB" sz="8000" dirty="0"/>
+              <a:t>,</a:t>
+            </a:r>
+            <a:br>
+              <a:rPr lang="fr-FR" sz="8000" dirty="0"/>
+            </a:br>
+            <a:r>
+              <a:rPr lang="en-GB" sz="8000" dirty="0"/>
+              <a:t>   Raha </a:t>
+            </a:r>
+            <a:r>
+              <a:rPr lang="en-GB" sz="8000" dirty="0" err="1"/>
+              <a:t>mpanompo</a:t>
+            </a:r>
+            <a:r>
+              <a:rPr lang="en-GB" sz="8000" dirty="0"/>
               <a:t> </a:t>
             </a:r>
             <a:r>
-              <a:rPr lang="en-GB" dirty="0" err="1"/>
-              <a:t>doria</a:t>
-            </a:r>
-            <a:r>
-              <a:rPr lang="fr-FR" dirty="0"/>
-              <a:t/>
+              <a:rPr lang="en-GB" sz="8000" dirty="0" err="1"/>
+              <a:t>tsara</a:t>
             </a:r>
             <a:br>
-              <a:rPr lang="fr-FR" dirty="0"/>
+              <a:rPr lang="fr-FR" sz="8000" dirty="0"/>
             </a:br>
             <a:r>
-              <a:rPr lang="en-GB" dirty="0"/>
-              <a:t>      No </a:t>
-            </a:r>
-            <a:r>
-              <a:rPr lang="en-GB" dirty="0" err="1"/>
-              <a:t>hifalianao</a:t>
-            </a:r>
-            <a:r>
-              <a:rPr lang="en-GB" dirty="0"/>
-              <a:t>,</a:t>
-            </a:r>
-            <a:r>
-              <a:rPr lang="fr-FR" dirty="0"/>
-              <a:t/>
-            </a:r>
-            <a:br>
-              <a:rPr lang="fr-FR" dirty="0"/>
-            </a:br>
-            <a:r>
-              <a:rPr lang="en-GB" dirty="0"/>
-              <a:t>   </a:t>
-            </a:r>
-            <a:r>
-              <a:rPr lang="en-GB" dirty="0" err="1"/>
-              <a:t>Raha</a:t>
-            </a:r>
-            <a:r>
-              <a:rPr lang="en-GB" dirty="0"/>
-              <a:t> </a:t>
-            </a:r>
-            <a:r>
-              <a:rPr lang="en-GB" dirty="0" err="1"/>
-              <a:t>mpanompo</a:t>
-            </a:r>
-            <a:r>
-              <a:rPr lang="en-GB" dirty="0"/>
-              <a:t> </a:t>
-            </a:r>
-            <a:r>
-              <a:rPr lang="en-GB" dirty="0" err="1"/>
-              <a:t>tsara</a:t>
-            </a:r>
-            <a:r>
-              <a:rPr lang="fr-FR" dirty="0"/>
-              <a:t/>
-            </a:r>
-            <a:br>
-              <a:rPr lang="fr-FR" dirty="0"/>
-            </a:br>
-            <a:r>
-              <a:rPr lang="en-GB" dirty="0"/>
-              <a:t>      </a:t>
-            </a:r>
-            <a:r>
-              <a:rPr lang="en-GB" dirty="0" err="1"/>
+              <a:rPr lang="en-GB" sz="8000" dirty="0" err="1"/>
               <a:t>Mahatoky</a:t>
             </a:r>
             <a:r>
-              <a:rPr lang="en-GB" dirty="0"/>
+              <a:rPr lang="en-GB" sz="8000" dirty="0"/>
               <a:t> e !</a:t>
             </a:r>
-            <a:endParaRPr lang="fr-FR" dirty="0"/>
+            <a:endParaRPr lang="fr-FR" sz="8000" dirty="0"/>
           </a:p>
         </p:txBody>
       </p:sp>
     </p:spTree>
+    <p:extLst>
+      <p:ext uri="{BB962C8B-B14F-4D97-AF65-F5344CB8AC3E}">
+        <p14:creationId xmlns:p14="http://schemas.microsoft.com/office/powerpoint/2010/main" val="2398707201"/>
+      </p:ext>
+    </p:extLst>
   </p:cSld>
   <p:clrMapOvr>
     <a:masterClrMapping/>
